--- a/分享会.pptx
+++ b/分享会.pptx
@@ -5,15 +5,15 @@
     <p:sldMasterId id="2147483648" r:id="rId1"/>
   </p:sldMasterIdLst>
   <p:notesMasterIdLst>
-    <p:notesMasterId r:id="rId8"/>
+    <p:notesMasterId r:id="rId9"/>
   </p:notesMasterIdLst>
   <p:sldIdLst>
-    <p:sldId id="256" r:id="rId2"/>
-    <p:sldId id="257" r:id="rId3"/>
-    <p:sldId id="258" r:id="rId4"/>
-    <p:sldId id="273" r:id="rId5"/>
-    <p:sldId id="269" r:id="rId6"/>
-    <p:sldId id="266" r:id="rId7"/>
+    <p:sldId id="256" r:id="rId3"/>
+    <p:sldId id="257" r:id="rId4"/>
+    <p:sldId id="258" r:id="rId5"/>
+    <p:sldId id="273" r:id="rId6"/>
+    <p:sldId id="269" r:id="rId7"/>
+    <p:sldId id="266" r:id="rId8"/>
   </p:sldIdLst>
   <p:sldSz cx="9144000" cy="6858000" type="screen4x3"/>
   <p:notesSz cx="6858000" cy="9144000"/>
@@ -142,22 +142,6 @@
       </a:defRPr>
     </a:lvl9pPr>
   </p:defaultTextStyle>
-  <p:extLst>
-    <p:ext uri="{EFAFB233-063F-42B5-8137-9DF3F51BA10A}">
-      <p15:sldGuideLst xmlns:p15="http://schemas.microsoft.com/office/powerpoint/2012/main">
-        <p15:guide id="1" orient="horz" pos="2160">
-          <p15:clr>
-            <a:srgbClr val="A4A3A4"/>
-          </p15:clr>
-        </p15:guide>
-        <p15:guide id="2" pos="2880">
-          <p15:clr>
-            <a:srgbClr val="A4A3A4"/>
-          </p15:clr>
-        </p15:guide>
-      </p15:sldGuideLst>
-    </p:ext>
-  </p:extLst>
 </p:presentation>
 </file>
 
@@ -258,7 +242,6 @@
             </a:pPr>
             <a:fld id="{89007C2E-9DA7-4701-839B-664CABED6FF9}" type="datetimeFigureOut">
               <a:rPr lang="zh-CN" altLang="en-US"/>
-              <a:t>2019/3/18</a:t>
             </a:fld>
             <a:endParaRPr lang="zh-CN" altLang="en-US"/>
           </a:p>
@@ -328,6 +311,7 @@
               <a:rPr lang="zh-CN" altLang="en-US" noProof="0"/>
               <a:t>单击此处编辑母版文本样式</a:t>
             </a:r>
+            <a:endParaRPr lang="zh-CN" altLang="en-US" noProof="0"/>
           </a:p>
           <a:p>
             <a:pPr lvl="1"/>
@@ -335,6 +319,7 @@
               <a:rPr lang="zh-CN" altLang="en-US" noProof="0"/>
               <a:t>第二级</a:t>
             </a:r>
+            <a:endParaRPr lang="zh-CN" altLang="en-US" noProof="0"/>
           </a:p>
           <a:p>
             <a:pPr lvl="2"/>
@@ -342,6 +327,7 @@
               <a:rPr lang="zh-CN" altLang="en-US" noProof="0"/>
               <a:t>第三级</a:t>
             </a:r>
+            <a:endParaRPr lang="zh-CN" altLang="en-US" noProof="0"/>
           </a:p>
           <a:p>
             <a:pPr lvl="3"/>
@@ -349,6 +335,7 @@
               <a:rPr lang="zh-CN" altLang="en-US" noProof="0"/>
               <a:t>第四级</a:t>
             </a:r>
+            <a:endParaRPr lang="zh-CN" altLang="en-US" noProof="0"/>
           </a:p>
           <a:p>
             <a:pPr lvl="4"/>
@@ -356,6 +343,7 @@
               <a:rPr lang="zh-CN" altLang="en-US" noProof="0"/>
               <a:t>第五级</a:t>
             </a:r>
+            <a:endParaRPr lang="zh-CN" altLang="en-US" noProof="0"/>
           </a:p>
         </p:txBody>
       </p:sp>
@@ -431,7 +419,6 @@
             </a:pPr>
             <a:fld id="{AAC5672A-0EC1-4886-8A80-C61AC1320C2F}" type="slidenum">
               <a:rPr lang="zh-CN" altLang="en-US"/>
-              <a:t>‹#›</a:t>
             </a:fld>
             <a:endParaRPr lang="zh-CN" altLang="en-US"/>
           </a:p>
@@ -606,6 +593,7 @@
               <a:rPr lang="zh-CN" altLang="en-US"/>
               <a:t>单击此处编辑母版标题样式</a:t>
             </a:r>
+            <a:endParaRPr lang="zh-CN" altLang="en-US"/>
           </a:p>
         </p:txBody>
       </p:sp>
@@ -724,6 +712,7 @@
               <a:rPr lang="zh-CN" altLang="en-US"/>
               <a:t>单击此处编辑母版副标题样式</a:t>
             </a:r>
+            <a:endParaRPr lang="zh-CN" altLang="en-US"/>
           </a:p>
         </p:txBody>
       </p:sp>
@@ -751,7 +740,6 @@
             </a:pPr>
             <a:fld id="{2D4ABA26-2D4E-4EC9-A9B7-6D55E74D4C43}" type="datetimeFigureOut">
               <a:rPr lang="zh-CN" altLang="en-US"/>
-              <a:t>2019/3/18</a:t>
             </a:fld>
             <a:endParaRPr lang="zh-CN" altLang="en-US"/>
           </a:p>
@@ -807,7 +795,6 @@
             </a:pPr>
             <a:fld id="{60B29C5F-2373-4C04-9D23-62580D69E3ED}" type="slidenum">
               <a:rPr lang="zh-CN" altLang="en-US"/>
-              <a:t>‹#›</a:t>
             </a:fld>
             <a:endParaRPr lang="zh-CN" altLang="en-US"/>
           </a:p>
@@ -857,6 +844,7 @@
               <a:rPr lang="zh-CN" altLang="en-US"/>
               <a:t>单击此处编辑母版标题样式</a:t>
             </a:r>
+            <a:endParaRPr lang="zh-CN" altLang="en-US"/>
           </a:p>
         </p:txBody>
       </p:sp>
@@ -880,6 +868,7 @@
               <a:rPr lang="zh-CN" altLang="en-US"/>
               <a:t>单击此处编辑母版文本样式</a:t>
             </a:r>
+            <a:endParaRPr lang="zh-CN" altLang="en-US"/>
           </a:p>
           <a:p>
             <a:pPr lvl="1"/>
@@ -887,6 +876,7 @@
               <a:rPr lang="zh-CN" altLang="en-US"/>
               <a:t>第二级</a:t>
             </a:r>
+            <a:endParaRPr lang="zh-CN" altLang="en-US"/>
           </a:p>
           <a:p>
             <a:pPr lvl="2"/>
@@ -894,6 +884,7 @@
               <a:rPr lang="zh-CN" altLang="en-US"/>
               <a:t>第三级</a:t>
             </a:r>
+            <a:endParaRPr lang="zh-CN" altLang="en-US"/>
           </a:p>
           <a:p>
             <a:pPr lvl="3"/>
@@ -901,6 +892,7 @@
               <a:rPr lang="zh-CN" altLang="en-US"/>
               <a:t>第四级</a:t>
             </a:r>
+            <a:endParaRPr lang="zh-CN" altLang="en-US"/>
           </a:p>
           <a:p>
             <a:pPr lvl="4"/>
@@ -908,6 +900,7 @@
               <a:rPr lang="zh-CN" altLang="en-US"/>
               <a:t>第五级</a:t>
             </a:r>
+            <a:endParaRPr lang="zh-CN" altLang="en-US"/>
           </a:p>
         </p:txBody>
       </p:sp>
@@ -935,7 +928,6 @@
             </a:pPr>
             <a:fld id="{B425AAD9-F886-48F0-A705-2F68267EE850}" type="datetimeFigureOut">
               <a:rPr lang="zh-CN" altLang="en-US"/>
-              <a:t>2019/3/18</a:t>
             </a:fld>
             <a:endParaRPr lang="zh-CN" altLang="en-US"/>
           </a:p>
@@ -991,7 +983,6 @@
             </a:pPr>
             <a:fld id="{53E08994-41F8-45B8-BE70-3FD2BEEB4DED}" type="slidenum">
               <a:rPr lang="zh-CN" altLang="en-US"/>
-              <a:t>‹#›</a:t>
             </a:fld>
             <a:endParaRPr lang="zh-CN" altLang="en-US"/>
           </a:p>
@@ -1046,6 +1037,7 @@
               <a:rPr lang="zh-CN" altLang="en-US"/>
               <a:t>单击此处编辑母版标题样式</a:t>
             </a:r>
+            <a:endParaRPr lang="zh-CN" altLang="en-US"/>
           </a:p>
         </p:txBody>
       </p:sp>
@@ -1074,6 +1066,7 @@
               <a:rPr lang="zh-CN" altLang="en-US"/>
               <a:t>单击此处编辑母版文本样式</a:t>
             </a:r>
+            <a:endParaRPr lang="zh-CN" altLang="en-US"/>
           </a:p>
           <a:p>
             <a:pPr lvl="1"/>
@@ -1081,6 +1074,7 @@
               <a:rPr lang="zh-CN" altLang="en-US"/>
               <a:t>第二级</a:t>
             </a:r>
+            <a:endParaRPr lang="zh-CN" altLang="en-US"/>
           </a:p>
           <a:p>
             <a:pPr lvl="2"/>
@@ -1088,6 +1082,7 @@
               <a:rPr lang="zh-CN" altLang="en-US"/>
               <a:t>第三级</a:t>
             </a:r>
+            <a:endParaRPr lang="zh-CN" altLang="en-US"/>
           </a:p>
           <a:p>
             <a:pPr lvl="3"/>
@@ -1095,6 +1090,7 @@
               <a:rPr lang="zh-CN" altLang="en-US"/>
               <a:t>第四级</a:t>
             </a:r>
+            <a:endParaRPr lang="zh-CN" altLang="en-US"/>
           </a:p>
           <a:p>
             <a:pPr lvl="4"/>
@@ -1102,6 +1098,7 @@
               <a:rPr lang="zh-CN" altLang="en-US"/>
               <a:t>第五级</a:t>
             </a:r>
+            <a:endParaRPr lang="zh-CN" altLang="en-US"/>
           </a:p>
         </p:txBody>
       </p:sp>
@@ -1129,7 +1126,6 @@
             </a:pPr>
             <a:fld id="{E7D09A67-EA78-4C8C-8840-BE814BF97E86}" type="datetimeFigureOut">
               <a:rPr lang="zh-CN" altLang="en-US"/>
-              <a:t>2019/3/18</a:t>
             </a:fld>
             <a:endParaRPr lang="zh-CN" altLang="en-US"/>
           </a:p>
@@ -1185,7 +1181,6 @@
             </a:pPr>
             <a:fld id="{1EC84B01-02D7-410A-99D9-576986429888}" type="slidenum">
               <a:rPr lang="zh-CN" altLang="en-US"/>
-              <a:t>‹#›</a:t>
             </a:fld>
             <a:endParaRPr lang="zh-CN" altLang="en-US"/>
           </a:p>
@@ -1235,6 +1230,7 @@
               <a:rPr lang="zh-CN" altLang="en-US"/>
               <a:t>单击此处编辑母版标题样式</a:t>
             </a:r>
+            <a:endParaRPr lang="zh-CN" altLang="en-US"/>
           </a:p>
         </p:txBody>
       </p:sp>
@@ -1258,6 +1254,7 @@
               <a:rPr lang="zh-CN" altLang="en-US"/>
               <a:t>单击此处编辑母版文本样式</a:t>
             </a:r>
+            <a:endParaRPr lang="zh-CN" altLang="en-US"/>
           </a:p>
           <a:p>
             <a:pPr lvl="1"/>
@@ -1265,6 +1262,7 @@
               <a:rPr lang="zh-CN" altLang="en-US"/>
               <a:t>第二级</a:t>
             </a:r>
+            <a:endParaRPr lang="zh-CN" altLang="en-US"/>
           </a:p>
           <a:p>
             <a:pPr lvl="2"/>
@@ -1272,6 +1270,7 @@
               <a:rPr lang="zh-CN" altLang="en-US"/>
               <a:t>第三级</a:t>
             </a:r>
+            <a:endParaRPr lang="zh-CN" altLang="en-US"/>
           </a:p>
           <a:p>
             <a:pPr lvl="3"/>
@@ -1279,6 +1278,7 @@
               <a:rPr lang="zh-CN" altLang="en-US"/>
               <a:t>第四级</a:t>
             </a:r>
+            <a:endParaRPr lang="zh-CN" altLang="en-US"/>
           </a:p>
           <a:p>
             <a:pPr lvl="4"/>
@@ -1286,6 +1286,7 @@
               <a:rPr lang="zh-CN" altLang="en-US"/>
               <a:t>第五级</a:t>
             </a:r>
+            <a:endParaRPr lang="zh-CN" altLang="en-US"/>
           </a:p>
         </p:txBody>
       </p:sp>
@@ -1313,7 +1314,6 @@
             </a:pPr>
             <a:fld id="{BC7877BA-C9CC-41E7-AB53-7EC900411929}" type="datetimeFigureOut">
               <a:rPr lang="zh-CN" altLang="en-US"/>
-              <a:t>2019/3/18</a:t>
             </a:fld>
             <a:endParaRPr lang="zh-CN" altLang="en-US"/>
           </a:p>
@@ -1369,7 +1369,6 @@
             </a:pPr>
             <a:fld id="{35377C56-D93C-45E6-A1A6-B8128FC3E8CD}" type="slidenum">
               <a:rPr lang="zh-CN" altLang="en-US"/>
-              <a:t>‹#›</a:t>
             </a:fld>
             <a:endParaRPr lang="zh-CN" altLang="en-US"/>
           </a:p>
@@ -1428,6 +1427,7 @@
               <a:rPr lang="zh-CN" altLang="en-US"/>
               <a:t>单击此处编辑母版标题样式</a:t>
             </a:r>
+            <a:endParaRPr lang="zh-CN" altLang="en-US"/>
           </a:p>
         </p:txBody>
       </p:sp>
@@ -1547,6 +1547,7 @@
               <a:rPr lang="zh-CN" altLang="en-US"/>
               <a:t>单击此处编辑母版文本样式</a:t>
             </a:r>
+            <a:endParaRPr lang="zh-CN" altLang="en-US"/>
           </a:p>
         </p:txBody>
       </p:sp>
@@ -1574,7 +1575,6 @@
             </a:pPr>
             <a:fld id="{C7D47E19-9E3F-4A1B-9964-C72F7472C838}" type="datetimeFigureOut">
               <a:rPr lang="zh-CN" altLang="en-US"/>
-              <a:t>2019/3/18</a:t>
             </a:fld>
             <a:endParaRPr lang="zh-CN" altLang="en-US"/>
           </a:p>
@@ -1630,7 +1630,6 @@
             </a:pPr>
             <a:fld id="{0F99B90D-5088-4AC8-B9FA-51E202B9FC79}" type="slidenum">
               <a:rPr lang="zh-CN" altLang="en-US"/>
-              <a:t>‹#›</a:t>
             </a:fld>
             <a:endParaRPr lang="zh-CN" altLang="en-US"/>
           </a:p>
@@ -1680,6 +1679,7 @@
               <a:rPr lang="zh-CN" altLang="en-US"/>
               <a:t>单击此处编辑母版标题样式</a:t>
             </a:r>
+            <a:endParaRPr lang="zh-CN" altLang="en-US"/>
           </a:p>
         </p:txBody>
       </p:sp>
@@ -1736,6 +1736,7 @@
               <a:rPr lang="zh-CN" altLang="en-US"/>
               <a:t>单击此处编辑母版文本样式</a:t>
             </a:r>
+            <a:endParaRPr lang="zh-CN" altLang="en-US"/>
           </a:p>
           <a:p>
             <a:pPr lvl="1"/>
@@ -1743,6 +1744,7 @@
               <a:rPr lang="zh-CN" altLang="en-US"/>
               <a:t>第二级</a:t>
             </a:r>
+            <a:endParaRPr lang="zh-CN" altLang="en-US"/>
           </a:p>
           <a:p>
             <a:pPr lvl="2"/>
@@ -1750,6 +1752,7 @@
               <a:rPr lang="zh-CN" altLang="en-US"/>
               <a:t>第三级</a:t>
             </a:r>
+            <a:endParaRPr lang="zh-CN" altLang="en-US"/>
           </a:p>
           <a:p>
             <a:pPr lvl="3"/>
@@ -1757,6 +1760,7 @@
               <a:rPr lang="zh-CN" altLang="en-US"/>
               <a:t>第四级</a:t>
             </a:r>
+            <a:endParaRPr lang="zh-CN" altLang="en-US"/>
           </a:p>
           <a:p>
             <a:pPr lvl="4"/>
@@ -1764,6 +1768,7 @@
               <a:rPr lang="zh-CN" altLang="en-US"/>
               <a:t>第五级</a:t>
             </a:r>
+            <a:endParaRPr lang="zh-CN" altLang="en-US"/>
           </a:p>
         </p:txBody>
       </p:sp>
@@ -1820,6 +1825,7 @@
               <a:rPr lang="zh-CN" altLang="en-US"/>
               <a:t>单击此处编辑母版文本样式</a:t>
             </a:r>
+            <a:endParaRPr lang="zh-CN" altLang="en-US"/>
           </a:p>
           <a:p>
             <a:pPr lvl="1"/>
@@ -1827,6 +1833,7 @@
               <a:rPr lang="zh-CN" altLang="en-US"/>
               <a:t>第二级</a:t>
             </a:r>
+            <a:endParaRPr lang="zh-CN" altLang="en-US"/>
           </a:p>
           <a:p>
             <a:pPr lvl="2"/>
@@ -1834,6 +1841,7 @@
               <a:rPr lang="zh-CN" altLang="en-US"/>
               <a:t>第三级</a:t>
             </a:r>
+            <a:endParaRPr lang="zh-CN" altLang="en-US"/>
           </a:p>
           <a:p>
             <a:pPr lvl="3"/>
@@ -1841,6 +1849,7 @@
               <a:rPr lang="zh-CN" altLang="en-US"/>
               <a:t>第四级</a:t>
             </a:r>
+            <a:endParaRPr lang="zh-CN" altLang="en-US"/>
           </a:p>
           <a:p>
             <a:pPr lvl="4"/>
@@ -1848,6 +1857,7 @@
               <a:rPr lang="zh-CN" altLang="en-US"/>
               <a:t>第五级</a:t>
             </a:r>
+            <a:endParaRPr lang="zh-CN" altLang="en-US"/>
           </a:p>
         </p:txBody>
       </p:sp>
@@ -1875,7 +1885,6 @@
             </a:pPr>
             <a:fld id="{EEC5F6E3-FD56-4BBF-8012-4946AC5E052D}" type="datetimeFigureOut">
               <a:rPr lang="zh-CN" altLang="en-US"/>
-              <a:t>2019/3/18</a:t>
             </a:fld>
             <a:endParaRPr lang="zh-CN" altLang="en-US"/>
           </a:p>
@@ -1931,7 +1940,6 @@
             </a:pPr>
             <a:fld id="{26C87D1C-825B-4735-B8AC-19ACC6B94A36}" type="slidenum">
               <a:rPr lang="zh-CN" altLang="en-US"/>
-              <a:t>‹#›</a:t>
             </a:fld>
             <a:endParaRPr lang="zh-CN" altLang="en-US"/>
           </a:p>
@@ -1985,6 +1993,7 @@
               <a:rPr lang="zh-CN" altLang="en-US"/>
               <a:t>单击此处编辑母版标题样式</a:t>
             </a:r>
+            <a:endParaRPr lang="zh-CN" altLang="en-US"/>
           </a:p>
         </p:txBody>
       </p:sp>
@@ -2050,6 +2059,7 @@
               <a:rPr lang="zh-CN" altLang="en-US"/>
               <a:t>单击此处编辑母版文本样式</a:t>
             </a:r>
+            <a:endParaRPr lang="zh-CN" altLang="en-US"/>
           </a:p>
         </p:txBody>
       </p:sp>
@@ -2106,6 +2116,7 @@
               <a:rPr lang="zh-CN" altLang="en-US"/>
               <a:t>单击此处编辑母版文本样式</a:t>
             </a:r>
+            <a:endParaRPr lang="zh-CN" altLang="en-US"/>
           </a:p>
           <a:p>
             <a:pPr lvl="1"/>
@@ -2113,6 +2124,7 @@
               <a:rPr lang="zh-CN" altLang="en-US"/>
               <a:t>第二级</a:t>
             </a:r>
+            <a:endParaRPr lang="zh-CN" altLang="en-US"/>
           </a:p>
           <a:p>
             <a:pPr lvl="2"/>
@@ -2120,6 +2132,7 @@
               <a:rPr lang="zh-CN" altLang="en-US"/>
               <a:t>第三级</a:t>
             </a:r>
+            <a:endParaRPr lang="zh-CN" altLang="en-US"/>
           </a:p>
           <a:p>
             <a:pPr lvl="3"/>
@@ -2127,6 +2140,7 @@
               <a:rPr lang="zh-CN" altLang="en-US"/>
               <a:t>第四级</a:t>
             </a:r>
+            <a:endParaRPr lang="zh-CN" altLang="en-US"/>
           </a:p>
           <a:p>
             <a:pPr lvl="4"/>
@@ -2134,6 +2148,7 @@
               <a:rPr lang="zh-CN" altLang="en-US"/>
               <a:t>第五级</a:t>
             </a:r>
+            <a:endParaRPr lang="zh-CN" altLang="en-US"/>
           </a:p>
         </p:txBody>
       </p:sp>
@@ -2199,6 +2214,7 @@
               <a:rPr lang="zh-CN" altLang="en-US"/>
               <a:t>单击此处编辑母版文本样式</a:t>
             </a:r>
+            <a:endParaRPr lang="zh-CN" altLang="en-US"/>
           </a:p>
         </p:txBody>
       </p:sp>
@@ -2255,6 +2271,7 @@
               <a:rPr lang="zh-CN" altLang="en-US"/>
               <a:t>单击此处编辑母版文本样式</a:t>
             </a:r>
+            <a:endParaRPr lang="zh-CN" altLang="en-US"/>
           </a:p>
           <a:p>
             <a:pPr lvl="1"/>
@@ -2262,6 +2279,7 @@
               <a:rPr lang="zh-CN" altLang="en-US"/>
               <a:t>第二级</a:t>
             </a:r>
+            <a:endParaRPr lang="zh-CN" altLang="en-US"/>
           </a:p>
           <a:p>
             <a:pPr lvl="2"/>
@@ -2269,6 +2287,7 @@
               <a:rPr lang="zh-CN" altLang="en-US"/>
               <a:t>第三级</a:t>
             </a:r>
+            <a:endParaRPr lang="zh-CN" altLang="en-US"/>
           </a:p>
           <a:p>
             <a:pPr lvl="3"/>
@@ -2276,6 +2295,7 @@
               <a:rPr lang="zh-CN" altLang="en-US"/>
               <a:t>第四级</a:t>
             </a:r>
+            <a:endParaRPr lang="zh-CN" altLang="en-US"/>
           </a:p>
           <a:p>
             <a:pPr lvl="4"/>
@@ -2283,6 +2303,7 @@
               <a:rPr lang="zh-CN" altLang="en-US"/>
               <a:t>第五级</a:t>
             </a:r>
+            <a:endParaRPr lang="zh-CN" altLang="en-US"/>
           </a:p>
         </p:txBody>
       </p:sp>
@@ -2310,7 +2331,6 @@
             </a:pPr>
             <a:fld id="{8154A4BD-A9FE-43B0-A47E-A944176E0AE1}" type="datetimeFigureOut">
               <a:rPr lang="zh-CN" altLang="en-US"/>
-              <a:t>2019/3/18</a:t>
             </a:fld>
             <a:endParaRPr lang="zh-CN" altLang="en-US"/>
           </a:p>
@@ -2366,7 +2386,6 @@
             </a:pPr>
             <a:fld id="{3E8DD13A-3383-4BDD-9535-E4B6D94C4E57}" type="slidenum">
               <a:rPr lang="zh-CN" altLang="en-US"/>
-              <a:t>‹#›</a:t>
             </a:fld>
             <a:endParaRPr lang="zh-CN" altLang="en-US"/>
           </a:p>
@@ -2416,6 +2435,7 @@
               <a:rPr lang="zh-CN" altLang="en-US"/>
               <a:t>单击此处编辑母版标题样式</a:t>
             </a:r>
+            <a:endParaRPr lang="zh-CN" altLang="en-US"/>
           </a:p>
         </p:txBody>
       </p:sp>
@@ -2443,7 +2463,6 @@
             </a:pPr>
             <a:fld id="{12F21F15-6A23-4012-9B40-900737163E05}" type="datetimeFigureOut">
               <a:rPr lang="zh-CN" altLang="en-US"/>
-              <a:t>2019/3/18</a:t>
             </a:fld>
             <a:endParaRPr lang="zh-CN" altLang="en-US"/>
           </a:p>
@@ -2499,7 +2518,6 @@
             </a:pPr>
             <a:fld id="{6F557B24-4057-41EF-B598-57AA617EFF1D}" type="slidenum">
               <a:rPr lang="zh-CN" altLang="en-US"/>
-              <a:t>‹#›</a:t>
             </a:fld>
             <a:endParaRPr lang="zh-CN" altLang="en-US"/>
           </a:p>
@@ -2554,7 +2572,6 @@
             </a:pPr>
             <a:fld id="{0FEFBE1E-E8FF-42B6-9012-919A9C2CCAF6}" type="datetimeFigureOut">
               <a:rPr lang="zh-CN" altLang="en-US"/>
-              <a:t>2019/3/18</a:t>
             </a:fld>
             <a:endParaRPr lang="zh-CN" altLang="en-US"/>
           </a:p>
@@ -2610,7 +2627,6 @@
             </a:pPr>
             <a:fld id="{70EF2418-3DA1-42EE-94B1-79495DD3A8A8}" type="slidenum">
               <a:rPr lang="zh-CN" altLang="en-US"/>
-              <a:t>‹#›</a:t>
             </a:fld>
             <a:endParaRPr lang="zh-CN" altLang="en-US"/>
           </a:p>
@@ -2669,6 +2685,7 @@
               <a:rPr lang="zh-CN" altLang="en-US"/>
               <a:t>单击此处编辑母版标题样式</a:t>
             </a:r>
+            <a:endParaRPr lang="zh-CN" altLang="en-US"/>
           </a:p>
         </p:txBody>
       </p:sp>
@@ -2725,6 +2742,7 @@
               <a:rPr lang="zh-CN" altLang="en-US"/>
               <a:t>单击此处编辑母版文本样式</a:t>
             </a:r>
+            <a:endParaRPr lang="zh-CN" altLang="en-US"/>
           </a:p>
           <a:p>
             <a:pPr lvl="1"/>
@@ -2732,6 +2750,7 @@
               <a:rPr lang="zh-CN" altLang="en-US"/>
               <a:t>第二级</a:t>
             </a:r>
+            <a:endParaRPr lang="zh-CN" altLang="en-US"/>
           </a:p>
           <a:p>
             <a:pPr lvl="2"/>
@@ -2739,6 +2758,7 @@
               <a:rPr lang="zh-CN" altLang="en-US"/>
               <a:t>第三级</a:t>
             </a:r>
+            <a:endParaRPr lang="zh-CN" altLang="en-US"/>
           </a:p>
           <a:p>
             <a:pPr lvl="3"/>
@@ -2746,6 +2766,7 @@
               <a:rPr lang="zh-CN" altLang="en-US"/>
               <a:t>第四级</a:t>
             </a:r>
+            <a:endParaRPr lang="zh-CN" altLang="en-US"/>
           </a:p>
           <a:p>
             <a:pPr lvl="4"/>
@@ -2753,6 +2774,7 @@
               <a:rPr lang="zh-CN" altLang="en-US"/>
               <a:t>第五级</a:t>
             </a:r>
+            <a:endParaRPr lang="zh-CN" altLang="en-US"/>
           </a:p>
         </p:txBody>
       </p:sp>
@@ -2818,6 +2840,7 @@
               <a:rPr lang="zh-CN" altLang="en-US"/>
               <a:t>单击此处编辑母版文本样式</a:t>
             </a:r>
+            <a:endParaRPr lang="zh-CN" altLang="en-US"/>
           </a:p>
         </p:txBody>
       </p:sp>
@@ -2845,7 +2868,6 @@
             </a:pPr>
             <a:fld id="{60E3FE40-2ADC-4E18-8C4F-B452E60F7A58}" type="datetimeFigureOut">
               <a:rPr lang="zh-CN" altLang="en-US"/>
-              <a:t>2019/3/18</a:t>
             </a:fld>
             <a:endParaRPr lang="zh-CN" altLang="en-US"/>
           </a:p>
@@ -2901,7 +2923,6 @@
             </a:pPr>
             <a:fld id="{E7FDF0C6-02E3-469D-95C6-4FE05B67F9C6}" type="slidenum">
               <a:rPr lang="zh-CN" altLang="en-US"/>
-              <a:t>‹#›</a:t>
             </a:fld>
             <a:endParaRPr lang="zh-CN" altLang="en-US"/>
           </a:p>
@@ -2960,6 +2981,7 @@
               <a:rPr lang="zh-CN" altLang="en-US"/>
               <a:t>单击此处编辑母版标题样式</a:t>
             </a:r>
+            <a:endParaRPr lang="zh-CN" altLang="en-US"/>
           </a:p>
         </p:txBody>
       </p:sp>
@@ -3089,6 +3111,7 @@
               <a:rPr lang="zh-CN" altLang="en-US"/>
               <a:t>单击此处编辑母版文本样式</a:t>
             </a:r>
+            <a:endParaRPr lang="zh-CN" altLang="en-US"/>
           </a:p>
         </p:txBody>
       </p:sp>
@@ -3116,7 +3139,6 @@
             </a:pPr>
             <a:fld id="{05ED117E-5661-4873-BAB8-331F830B3204}" type="datetimeFigureOut">
               <a:rPr lang="zh-CN" altLang="en-US"/>
-              <a:t>2019/3/18</a:t>
             </a:fld>
             <a:endParaRPr lang="zh-CN" altLang="en-US"/>
           </a:p>
@@ -3172,7 +3194,6 @@
             </a:pPr>
             <a:fld id="{47124CE8-3F8B-436F-9B63-8A1FB72FB616}" type="slidenum">
               <a:rPr lang="zh-CN" altLang="en-US"/>
-              <a:t>‹#›</a:t>
             </a:fld>
             <a:endParaRPr lang="zh-CN" altLang="en-US"/>
           </a:p>
@@ -3244,6 +3265,7 @@
               <a:rPr lang="zh-CN" altLang="en-US"/>
               <a:t>单击此处编辑母版标题样式</a:t>
             </a:r>
+            <a:endParaRPr lang="zh-CN" altLang="en-US"/>
           </a:p>
         </p:txBody>
       </p:sp>
@@ -3280,6 +3302,7 @@
               <a:rPr lang="zh-CN" altLang="en-US"/>
               <a:t>单击此处编辑母版文本样式</a:t>
             </a:r>
+            <a:endParaRPr lang="zh-CN" altLang="en-US"/>
           </a:p>
           <a:p>
             <a:pPr lvl="1"/>
@@ -3287,6 +3310,7 @@
               <a:rPr lang="zh-CN" altLang="en-US"/>
               <a:t>第二级</a:t>
             </a:r>
+            <a:endParaRPr lang="zh-CN" altLang="en-US"/>
           </a:p>
           <a:p>
             <a:pPr lvl="2"/>
@@ -3294,6 +3318,7 @@
               <a:rPr lang="zh-CN" altLang="en-US"/>
               <a:t>第三级</a:t>
             </a:r>
+            <a:endParaRPr lang="zh-CN" altLang="en-US"/>
           </a:p>
           <a:p>
             <a:pPr lvl="3"/>
@@ -3301,6 +3326,7 @@
               <a:rPr lang="zh-CN" altLang="en-US"/>
               <a:t>第四级</a:t>
             </a:r>
+            <a:endParaRPr lang="zh-CN" altLang="en-US"/>
           </a:p>
           <a:p>
             <a:pPr lvl="4"/>
@@ -3308,6 +3334,7 @@
               <a:rPr lang="zh-CN" altLang="en-US"/>
               <a:t>第五级</a:t>
             </a:r>
+            <a:endParaRPr lang="zh-CN" altLang="en-US"/>
           </a:p>
         </p:txBody>
       </p:sp>
@@ -3357,7 +3384,6 @@
             </a:pPr>
             <a:fld id="{DBF4D842-207D-4149-A54C-2B5294D99A0C}" type="datetimeFigureOut">
               <a:rPr lang="zh-CN" altLang="en-US"/>
-              <a:t>2019/3/18</a:t>
             </a:fld>
             <a:endParaRPr lang="zh-CN" altLang="en-US"/>
           </a:p>
@@ -3457,7 +3483,6 @@
             </a:pPr>
             <a:fld id="{E12C6A78-0793-4205-8809-E932A5520087}" type="slidenum">
               <a:rPr lang="zh-CN" altLang="en-US"/>
-              <a:t>‹#›</a:t>
             </a:fld>
             <a:endParaRPr lang="zh-CN" altLang="en-US"/>
           </a:p>
@@ -3875,7 +3900,7 @@
     <p:bg>
       <p:bgPr>
         <a:blipFill dpi="0" rotWithShape="0">
-          <a:blip r:embed="rId3" cstate="print"/>
+          <a:blip r:embed="rId1" cstate="print"/>
           <a:srcRect/>
           <a:stretch>
             <a:fillRect/>
@@ -3906,7 +3931,7 @@
         </p:nvSpPr>
         <p:spPr>
           <a:xfrm>
-            <a:off x="1908175" y="2349500"/>
+            <a:off x="135890" y="2343150"/>
             <a:ext cx="8569325" cy="1223963"/>
           </a:xfrm>
           <a:prstGeom prst="rect">
@@ -4192,8 +4217,21 @@
                 </a:effectLst>
                 <a:ea typeface="宋体" panose="02010600030101010101" pitchFamily="2" charset="-122"/>
               </a:rPr>
-              <a:t>分享会</a:t>
-            </a:r>
+              <a:t>网站前端那些事 (一)</a:t>
+            </a:r>
+            <a:endParaRPr lang="zh-CN" altLang="en-US" sz="4400" b="1" kern="0" dirty="0">
+              <a:solidFill>
+                <a:schemeClr val="bg1"/>
+              </a:solidFill>
+              <a:effectLst>
+                <a:outerShdw blurRad="38100" dist="38100" dir="2700000" algn="tl">
+                  <a:srgbClr val="000000">
+                    <a:alpha val="43137"/>
+                  </a:srgbClr>
+                </a:outerShdw>
+              </a:effectLst>
+              <a:ea typeface="宋体" panose="02010600030101010101" pitchFamily="2" charset="-122"/>
+            </a:endParaRPr>
           </a:p>
           <a:p>
             <a:pPr fontAlgn="auto">
@@ -4642,12 +4680,19 @@
               </a:rPr>
               <a:t>分享人：范超</a:t>
             </a:r>
+            <a:endParaRPr lang="zh-CN" altLang="en-US" sz="1200" cap="all" dirty="0">
+              <a:solidFill>
+                <a:schemeClr val="bg1"/>
+              </a:solidFill>
+              <a:latin typeface="Arial" panose="020B0604020202020204" pitchFamily="34" charset="0"/>
+              <a:cs typeface="Arial" panose="020B0604020202020204" pitchFamily="34" charset="0"/>
+            </a:endParaRPr>
           </a:p>
         </p:txBody>
       </p:sp>
     </p:spTree>
     <p:custDataLst>
-      <p:tags r:id="rId1"/>
+      <p:tags r:id="rId2"/>
     </p:custDataLst>
   </p:cSld>
   <p:clrMapOvr>
@@ -4662,7 +4707,7 @@
     <p:bg>
       <p:bgPr>
         <a:blipFill dpi="0" rotWithShape="0">
-          <a:blip r:embed="rId2" cstate="print"/>
+          <a:blip r:embed="rId1" cstate="print"/>
           <a:srcRect/>
           <a:stretch>
             <a:fillRect/>
@@ -4720,6 +4765,10 @@
               </a:rPr>
               <a:t>点击添加文本</a:t>
             </a:r>
+            <a:endParaRPr lang="zh-CN" altLang="en-US">
+              <a:latin typeface="微软雅黑" panose="020B0503020204020204" pitchFamily="34" charset="-122"/>
+              <a:ea typeface="微软雅黑" panose="020B0503020204020204" pitchFamily="34" charset="-122"/>
+            </a:endParaRPr>
           </a:p>
         </p:txBody>
       </p:sp>
@@ -4758,6 +4807,10 @@
               </a:rPr>
               <a:t>点击添加文本</a:t>
             </a:r>
+            <a:endParaRPr lang="zh-CN" altLang="en-US">
+              <a:latin typeface="微软雅黑" panose="020B0503020204020204" pitchFamily="34" charset="-122"/>
+              <a:ea typeface="微软雅黑" panose="020B0503020204020204" pitchFamily="34" charset="-122"/>
+            </a:endParaRPr>
           </a:p>
         </p:txBody>
       </p:sp>
@@ -4796,6 +4849,10 @@
               </a:rPr>
               <a:t>点击添加文本</a:t>
             </a:r>
+            <a:endParaRPr lang="zh-CN" altLang="en-US">
+              <a:latin typeface="微软雅黑" panose="020B0503020204020204" pitchFamily="34" charset="-122"/>
+              <a:ea typeface="微软雅黑" panose="020B0503020204020204" pitchFamily="34" charset="-122"/>
+            </a:endParaRPr>
           </a:p>
         </p:txBody>
       </p:sp>
@@ -4834,6 +4891,10 @@
               </a:rPr>
               <a:t>点击添加文本</a:t>
             </a:r>
+            <a:endParaRPr lang="zh-CN" altLang="en-US">
+              <a:latin typeface="微软雅黑" panose="020B0503020204020204" pitchFamily="34" charset="-122"/>
+              <a:ea typeface="微软雅黑" panose="020B0503020204020204" pitchFamily="34" charset="-122"/>
+            </a:endParaRPr>
           </a:p>
         </p:txBody>
       </p:sp>
@@ -4872,6 +4933,10 @@
               </a:rPr>
               <a:t>目录</a:t>
             </a:r>
+            <a:endParaRPr lang="zh-CN" altLang="en-US" sz="2800">
+              <a:latin typeface="微软雅黑" panose="020B0503020204020204" pitchFamily="34" charset="-122"/>
+              <a:ea typeface="微软雅黑" panose="020B0503020204020204" pitchFamily="34" charset="-122"/>
+            </a:endParaRPr>
           </a:p>
         </p:txBody>
       </p:sp>
@@ -5013,6 +5078,10 @@
               </a:rPr>
               <a:t>	</a:t>
             </a:r>
+            <a:endParaRPr lang="en-US" altLang="zh-CN" dirty="0">
+              <a:latin typeface="微软雅黑" panose="020B0503020204020204" pitchFamily="34" charset="-122"/>
+              <a:ea typeface="微软雅黑" panose="020B0503020204020204" pitchFamily="34" charset="-122"/>
+            </a:endParaRPr>
           </a:p>
         </p:txBody>
       </p:sp>
@@ -5154,6 +5223,10 @@
               </a:rPr>
               <a:t>报错的简单排查</a:t>
             </a:r>
+            <a:endParaRPr lang="zh-CN" altLang="en-US" dirty="0">
+              <a:latin typeface="微软雅黑" panose="020B0503020204020204" pitchFamily="34" charset="-122"/>
+              <a:ea typeface="微软雅黑" panose="020B0503020204020204" pitchFamily="34" charset="-122"/>
+            </a:endParaRPr>
           </a:p>
         </p:txBody>
       </p:sp>
@@ -5281,6 +5354,10 @@
               </a:rPr>
               <a:t>小技巧的分享</a:t>
             </a:r>
+            <a:endParaRPr lang="zh-CN" altLang="en-US" dirty="0">
+              <a:latin typeface="微软雅黑" panose="020B0503020204020204" pitchFamily="34" charset="-122"/>
+              <a:ea typeface="微软雅黑" panose="020B0503020204020204" pitchFamily="34" charset="-122"/>
+            </a:endParaRPr>
           </a:p>
         </p:txBody>
       </p:sp>
@@ -6036,6 +6113,10 @@
               </a:rPr>
               <a:t>点击添加文本</a:t>
             </a:r>
+            <a:endParaRPr lang="zh-CN" altLang="en-US">
+              <a:latin typeface="微软雅黑" panose="020B0503020204020204" pitchFamily="34" charset="-122"/>
+              <a:ea typeface="微软雅黑" panose="020B0503020204020204" pitchFamily="34" charset="-122"/>
+            </a:endParaRPr>
           </a:p>
         </p:txBody>
       </p:sp>
@@ -6074,6 +6155,10 @@
               </a:rPr>
               <a:t>点击添加文本</a:t>
             </a:r>
+            <a:endParaRPr lang="zh-CN" altLang="en-US">
+              <a:latin typeface="微软雅黑" panose="020B0503020204020204" pitchFamily="34" charset="-122"/>
+              <a:ea typeface="微软雅黑" panose="020B0503020204020204" pitchFamily="34" charset="-122"/>
+            </a:endParaRPr>
           </a:p>
         </p:txBody>
       </p:sp>
@@ -6112,6 +6197,10 @@
               </a:rPr>
               <a:t>点击添加文本</a:t>
             </a:r>
+            <a:endParaRPr lang="zh-CN" altLang="en-US">
+              <a:latin typeface="微软雅黑" panose="020B0503020204020204" pitchFamily="34" charset="-122"/>
+              <a:ea typeface="微软雅黑" panose="020B0503020204020204" pitchFamily="34" charset="-122"/>
+            </a:endParaRPr>
           </a:p>
         </p:txBody>
       </p:sp>
@@ -6150,6 +6239,10 @@
               </a:rPr>
               <a:t>点击添加文本</a:t>
             </a:r>
+            <a:endParaRPr lang="zh-CN" altLang="en-US">
+              <a:latin typeface="微软雅黑" panose="020B0503020204020204" pitchFamily="34" charset="-122"/>
+              <a:ea typeface="微软雅黑" panose="020B0503020204020204" pitchFamily="34" charset="-122"/>
+            </a:endParaRPr>
           </a:p>
         </p:txBody>
       </p:sp>
@@ -6163,7 +6256,7 @@
         </p:nvSpPr>
         <p:spPr bwMode="auto">
           <a:xfrm>
-            <a:off x="4357688" y="2728913"/>
+            <a:off x="2296478" y="1809433"/>
             <a:ext cx="1932305" cy="368300"/>
           </a:xfrm>
           <a:prstGeom prst="rect">
@@ -6184,11 +6277,21 @@
             <a:pPr algn="l"/>
             <a:r>
               <a:rPr lang="zh-CN" altLang="en-US">
+                <a:solidFill>
+                  <a:schemeClr val="bg1"/>
+                </a:solidFill>
                 <a:latin typeface="微软雅黑" panose="020B0503020204020204" pitchFamily="34" charset="-122"/>
                 <a:ea typeface="微软雅黑" panose="020B0503020204020204" pitchFamily="34" charset="-122"/>
               </a:rPr>
               <a:t>ready函数的作用</a:t>
             </a:r>
+            <a:endParaRPr lang="zh-CN" altLang="en-US">
+              <a:solidFill>
+                <a:schemeClr val="bg1"/>
+              </a:solidFill>
+              <a:latin typeface="微软雅黑" panose="020B0503020204020204" pitchFamily="34" charset="-122"/>
+              <a:ea typeface="微软雅黑" panose="020B0503020204020204" pitchFamily="34" charset="-122"/>
+            </a:endParaRPr>
           </a:p>
         </p:txBody>
       </p:sp>
@@ -6223,11 +6326,21 @@
             <a:pPr algn="l"/>
             <a:r>
               <a:rPr lang="zh-CN" altLang="en-US">
+                <a:solidFill>
+                  <a:schemeClr val="bg1"/>
+                </a:solidFill>
                 <a:latin typeface="微软雅黑" panose="020B0503020204020204" pitchFamily="34" charset="-122"/>
                 <a:ea typeface="微软雅黑" panose="020B0503020204020204" pitchFamily="34" charset="-122"/>
               </a:rPr>
               <a:t>简单的DOM操作</a:t>
             </a:r>
+            <a:endParaRPr lang="zh-CN" altLang="en-US">
+              <a:solidFill>
+                <a:schemeClr val="bg1"/>
+              </a:solidFill>
+              <a:latin typeface="微软雅黑" panose="020B0503020204020204" pitchFamily="34" charset="-122"/>
+              <a:ea typeface="微软雅黑" panose="020B0503020204020204" pitchFamily="34" charset="-122"/>
+            </a:endParaRPr>
           </a:p>
         </p:txBody>
       </p:sp>
@@ -6270,6 +6383,13 @@
               </a:rPr>
               <a:t>绑定事件</a:t>
             </a:r>
+            <a:endParaRPr lang="zh-CN" altLang="en-US">
+              <a:solidFill>
+                <a:schemeClr val="bg1"/>
+              </a:solidFill>
+              <a:latin typeface="微软雅黑" panose="020B0503020204020204" pitchFamily="34" charset="-122"/>
+              <a:ea typeface="微软雅黑" panose="020B0503020204020204" pitchFamily="34" charset="-122"/>
+            </a:endParaRPr>
           </a:p>
         </p:txBody>
       </p:sp>
@@ -6283,7 +6403,7 @@
         </p:nvSpPr>
         <p:spPr bwMode="auto">
           <a:xfrm>
-            <a:off x="3071813" y="1871663"/>
+            <a:off x="4137343" y="2652713"/>
             <a:ext cx="868680" cy="368300"/>
           </a:xfrm>
           <a:prstGeom prst="rect">
@@ -6312,18 +6432,19 @@
               </a:rPr>
               <a:t>选择器</a:t>
             </a:r>
-          </a:p>
-        </p:txBody>
-      </p:sp>
-      <p:sp>
-        <p:nvSpPr>
-          <p:cNvPr id="5" name="文本框 4">
-            <a:extLst>
-              <a:ext uri="{FF2B5EF4-FFF2-40B4-BE49-F238E27FC236}">
-                <a16:creationId xmlns:a16="http://schemas.microsoft.com/office/drawing/2014/main" id="{0B812407-E85B-45B3-B0D3-E2570DE12DF7}"/>
-              </a:ext>
-            </a:extLst>
-          </p:cNvPr>
+            <a:endParaRPr lang="zh-CN" altLang="en-US">
+              <a:solidFill>
+                <a:schemeClr val="bg1"/>
+              </a:solidFill>
+              <a:latin typeface="微软雅黑" panose="020B0503020204020204" pitchFamily="34" charset="-122"/>
+              <a:ea typeface="微软雅黑" panose="020B0503020204020204" pitchFamily="34" charset="-122"/>
+            </a:endParaRPr>
+          </a:p>
+        </p:txBody>
+      </p:sp>
+      <p:sp>
+        <p:nvSpPr>
+          <p:cNvPr id="5" name="文本框 4"/>
           <p:cNvSpPr txBox="1"/>
           <p:nvPr/>
         </p:nvSpPr>
@@ -6421,6 +6542,10 @@
               </a:rPr>
               <a:t>点击添加文本</a:t>
             </a:r>
+            <a:endParaRPr lang="zh-CN" altLang="en-US">
+              <a:latin typeface="微软雅黑" panose="020B0503020204020204" pitchFamily="34" charset="-122"/>
+              <a:ea typeface="微软雅黑" panose="020B0503020204020204" pitchFamily="34" charset="-122"/>
+            </a:endParaRPr>
           </a:p>
         </p:txBody>
       </p:sp>
@@ -6459,6 +6584,10 @@
               </a:rPr>
               <a:t>点击添加文本</a:t>
             </a:r>
+            <a:endParaRPr lang="zh-CN" altLang="en-US">
+              <a:latin typeface="微软雅黑" panose="020B0503020204020204" pitchFamily="34" charset="-122"/>
+              <a:ea typeface="微软雅黑" panose="020B0503020204020204" pitchFamily="34" charset="-122"/>
+            </a:endParaRPr>
           </a:p>
         </p:txBody>
       </p:sp>
@@ -6497,6 +6626,10 @@
               </a:rPr>
               <a:t>点击添加文本</a:t>
             </a:r>
+            <a:endParaRPr lang="zh-CN" altLang="en-US">
+              <a:latin typeface="微软雅黑" panose="020B0503020204020204" pitchFamily="34" charset="-122"/>
+              <a:ea typeface="微软雅黑" panose="020B0503020204020204" pitchFamily="34" charset="-122"/>
+            </a:endParaRPr>
           </a:p>
         </p:txBody>
       </p:sp>
@@ -6535,6 +6668,10 @@
               </a:rPr>
               <a:t>点击添加文本</a:t>
             </a:r>
+            <a:endParaRPr lang="zh-CN" altLang="en-US">
+              <a:latin typeface="微软雅黑" panose="020B0503020204020204" pitchFamily="34" charset="-122"/>
+              <a:ea typeface="微软雅黑" panose="020B0503020204020204" pitchFamily="34" charset="-122"/>
+            </a:endParaRPr>
           </a:p>
         </p:txBody>
       </p:sp>
@@ -6580,6 +6717,10 @@
               </a:rPr>
               <a:t>报错的排查</a:t>
             </a:r>
+            <a:endParaRPr lang="zh-CN" altLang="en-US" sz="2800" dirty="0">
+              <a:latin typeface="微软雅黑" panose="020B0503020204020204" pitchFamily="34" charset="-122"/>
+              <a:ea typeface="微软雅黑" panose="020B0503020204020204" pitchFamily="34" charset="-122"/>
+            </a:endParaRPr>
           </a:p>
         </p:txBody>
       </p:sp>
@@ -6785,6 +6926,13 @@
               </a:rPr>
               <a:t>项目中的案例</a:t>
             </a:r>
+            <a:endParaRPr lang="zh-CN" altLang="en-US" dirty="0">
+              <a:solidFill>
+                <a:schemeClr val="bg1"/>
+              </a:solidFill>
+              <a:latin typeface="微软雅黑" panose="020B0503020204020204" pitchFamily="34" charset="-122"/>
+              <a:ea typeface="微软雅黑" panose="020B0503020204020204" pitchFamily="34" charset="-122"/>
+            </a:endParaRPr>
           </a:p>
         </p:txBody>
       </p:sp>
@@ -6826,6 +6974,13 @@
               </a:rPr>
               <a:t>常见的报错形式</a:t>
             </a:r>
+            <a:endParaRPr lang="zh-CN" altLang="en-US" dirty="0">
+              <a:solidFill>
+                <a:schemeClr val="bg1"/>
+              </a:solidFill>
+              <a:latin typeface="微软雅黑" panose="020B0503020204020204" pitchFamily="34" charset="-122"/>
+              <a:ea typeface="微软雅黑" panose="020B0503020204020204" pitchFamily="34" charset="-122"/>
+            </a:endParaRPr>
           </a:p>
         </p:txBody>
       </p:sp>
@@ -7206,6 +7361,10 @@
               </a:rPr>
               <a:t>点击添加文本</a:t>
             </a:r>
+            <a:endParaRPr lang="zh-CN" altLang="en-US">
+              <a:latin typeface="微软雅黑" panose="020B0503020204020204" pitchFamily="34" charset="-122"/>
+              <a:ea typeface="微软雅黑" panose="020B0503020204020204" pitchFamily="34" charset="-122"/>
+            </a:endParaRPr>
           </a:p>
         </p:txBody>
       </p:sp>
@@ -7244,6 +7403,10 @@
               </a:rPr>
               <a:t>点击添加文本</a:t>
             </a:r>
+            <a:endParaRPr lang="zh-CN" altLang="en-US">
+              <a:latin typeface="微软雅黑" panose="020B0503020204020204" pitchFamily="34" charset="-122"/>
+              <a:ea typeface="微软雅黑" panose="020B0503020204020204" pitchFamily="34" charset="-122"/>
+            </a:endParaRPr>
           </a:p>
         </p:txBody>
       </p:sp>
@@ -7282,6 +7445,10 @@
               </a:rPr>
               <a:t>点击添加文本</a:t>
             </a:r>
+            <a:endParaRPr lang="zh-CN" altLang="en-US">
+              <a:latin typeface="微软雅黑" panose="020B0503020204020204" pitchFamily="34" charset="-122"/>
+              <a:ea typeface="微软雅黑" panose="020B0503020204020204" pitchFamily="34" charset="-122"/>
+            </a:endParaRPr>
           </a:p>
         </p:txBody>
       </p:sp>
@@ -7320,6 +7487,10 @@
               </a:rPr>
               <a:t>点击添加文本</a:t>
             </a:r>
+            <a:endParaRPr lang="zh-CN" altLang="en-US">
+              <a:latin typeface="微软雅黑" panose="020B0503020204020204" pitchFamily="34" charset="-122"/>
+              <a:ea typeface="微软雅黑" panose="020B0503020204020204" pitchFamily="34" charset="-122"/>
+            </a:endParaRPr>
           </a:p>
         </p:txBody>
       </p:sp>
@@ -7358,6 +7529,10 @@
               </a:rPr>
               <a:t>小技巧的分享</a:t>
             </a:r>
+            <a:endParaRPr lang="zh-CN" altLang="en-US" sz="2800" dirty="0">
+              <a:latin typeface="微软雅黑" panose="020B0503020204020204" pitchFamily="34" charset="-122"/>
+              <a:ea typeface="微软雅黑" panose="020B0503020204020204" pitchFamily="34" charset="-122"/>
+            </a:endParaRPr>
           </a:p>
         </p:txBody>
       </p:sp>
@@ -7376,7 +7551,7 @@
             <a:avLst/>
           </a:prstGeom>
           <a:blipFill>
-            <a:blip r:embed="rId2" cstate="print"/>
+            <a:blip r:embed="rId1" cstate="print"/>
             <a:stretch>
               <a:fillRect/>
             </a:stretch>
@@ -7565,7 +7740,7 @@
             <a:avLst/>
           </a:prstGeom>
           <a:blipFill>
-            <a:blip r:embed="rId3" cstate="print"/>
+            <a:blip r:embed="rId2" cstate="print"/>
             <a:stretch>
               <a:fillRect/>
             </a:stretch>
@@ -7682,7 +7857,7 @@
             <a:avLst/>
           </a:prstGeom>
           <a:blipFill>
-            <a:blip r:embed="rId4" cstate="print"/>
+            <a:blip r:embed="rId3" cstate="print"/>
             <a:stretch>
               <a:fillRect/>
             </a:stretch>
@@ -7960,6 +8135,7 @@
               <a:rPr lang="zh-CN" altLang="en-US" dirty="0"/>
               <a:t>浏览器开发者工具</a:t>
             </a:r>
+            <a:endParaRPr lang="zh-CN" altLang="en-US" dirty="0"/>
           </a:p>
         </p:txBody>
       </p:sp>
@@ -8005,6 +8181,10 @@
               </a:rPr>
               <a:t>书籍</a:t>
             </a:r>
+            <a:endParaRPr lang="zh-CN" altLang="en-US" dirty="0">
+              <a:latin typeface="微软雅黑" panose="020B0503020204020204" pitchFamily="34" charset="-122"/>
+              <a:ea typeface="微软雅黑" panose="020B0503020204020204" pitchFamily="34" charset="-122"/>
+            </a:endParaRPr>
           </a:p>
         </p:txBody>
       </p:sp>
@@ -8057,6 +8237,10 @@
               </a:rPr>
               <a:t>案例</a:t>
             </a:r>
+            <a:endParaRPr lang="zh-CN" altLang="en-US" dirty="0">
+              <a:latin typeface="微软雅黑" panose="020B0503020204020204" pitchFamily="34" charset="-122"/>
+              <a:ea typeface="微软雅黑" panose="020B0503020204020204" pitchFamily="34" charset="-122"/>
+            </a:endParaRPr>
           </a:p>
         </p:txBody>
       </p:sp>
@@ -8896,6 +9080,10 @@
               </a:rPr>
               <a:t>点击添加文本</a:t>
             </a:r>
+            <a:endParaRPr lang="zh-CN" altLang="en-US">
+              <a:latin typeface="微软雅黑" panose="020B0503020204020204" pitchFamily="34" charset="-122"/>
+              <a:ea typeface="微软雅黑" panose="020B0503020204020204" pitchFamily="34" charset="-122"/>
+            </a:endParaRPr>
           </a:p>
         </p:txBody>
       </p:sp>
@@ -8934,6 +9122,10 @@
               </a:rPr>
               <a:t>点击添加文本</a:t>
             </a:r>
+            <a:endParaRPr lang="zh-CN" altLang="en-US">
+              <a:latin typeface="微软雅黑" panose="020B0503020204020204" pitchFamily="34" charset="-122"/>
+              <a:ea typeface="微软雅黑" panose="020B0503020204020204" pitchFamily="34" charset="-122"/>
+            </a:endParaRPr>
           </a:p>
         </p:txBody>
       </p:sp>
@@ -8972,6 +9164,10 @@
               </a:rPr>
               <a:t>点击添加文本</a:t>
             </a:r>
+            <a:endParaRPr lang="zh-CN" altLang="en-US">
+              <a:latin typeface="微软雅黑" panose="020B0503020204020204" pitchFamily="34" charset="-122"/>
+              <a:ea typeface="微软雅黑" panose="020B0503020204020204" pitchFamily="34" charset="-122"/>
+            </a:endParaRPr>
           </a:p>
         </p:txBody>
       </p:sp>
@@ -9010,6 +9206,10 @@
               </a:rPr>
               <a:t>点击添加文本</a:t>
             </a:r>
+            <a:endParaRPr lang="zh-CN" altLang="en-US">
+              <a:latin typeface="微软雅黑" panose="020B0503020204020204" pitchFamily="34" charset="-122"/>
+              <a:ea typeface="微软雅黑" panose="020B0503020204020204" pitchFamily="34" charset="-122"/>
+            </a:endParaRPr>
           </a:p>
         </p:txBody>
       </p:sp>
@@ -9030,7 +9230,7 @@
             <a:avLst/>
           </a:prstGeom>
           <a:blipFill dpi="0" rotWithShape="1">
-            <a:blip r:embed="rId2" cstate="print"/>
+            <a:blip r:embed="rId1" cstate="print"/>
             <a:srcRect/>
             <a:stretch>
               <a:fillRect b="-57624"/>
@@ -9078,7 +9278,7 @@
             <a:avLst/>
           </a:prstGeom>
           <a:blipFill dpi="0" rotWithShape="1">
-            <a:blip r:embed="rId3" cstate="print"/>
+            <a:blip r:embed="rId2" cstate="print"/>
             <a:srcRect/>
             <a:stretch>
               <a:fillRect b="-44617"/>
@@ -9111,13 +9311,7 @@
       </p:sp>
       <p:sp>
         <p:nvSpPr>
-          <p:cNvPr id="2" name="文本框 1">
-            <a:extLst>
-              <a:ext uri="{FF2B5EF4-FFF2-40B4-BE49-F238E27FC236}">
-                <a16:creationId xmlns:a16="http://schemas.microsoft.com/office/drawing/2014/main" id="{1C160195-E3FF-485B-A40D-2A77DF9F1DD2}"/>
-              </a:ext>
-            </a:extLst>
-          </p:cNvPr>
+          <p:cNvPr id="2" name="文本框 1"/>
           <p:cNvSpPr txBox="1"/>
           <p:nvPr/>
         </p:nvSpPr>
@@ -9145,6 +9339,11 @@
               </a:rPr>
               <a:t>谢谢大家</a:t>
             </a:r>
+            <a:endParaRPr lang="zh-CN" altLang="en-US" sz="7200" dirty="0">
+              <a:solidFill>
+                <a:schemeClr val="bg1"/>
+              </a:solidFill>
+            </a:endParaRPr>
           </a:p>
         </p:txBody>
       </p:sp>
@@ -9157,7 +9356,7 @@
 </file>
 
 <file path=ppt/tags/tag1.xml><?xml version="1.0" encoding="utf-8"?>
-<p:tagLst xmlns:a="http://schemas.openxmlformats.org/drawingml/2006/main" xmlns:r="http://schemas.openxmlformats.org/officeDocument/2006/relationships" xmlns:p="http://schemas.openxmlformats.org/presentationml/2006/main">
+<p:tagLst xmlns:p="http://schemas.openxmlformats.org/presentationml/2006/main">
   <p:tag name="KSO_WM_SLIDE_MODEL_TYPE" val="cover"/>
 </p:tagLst>
 </file>
@@ -9440,8 +9639,6 @@
       </a:bgFillStyleLst>
     </a:fmtScheme>
   </a:themeElements>
-  <a:objectDefaults/>
-  <a:extraClrSchemeLst/>
   <a:extLst>
     <a:ext uri="{05A4C25C-085E-4340-85A3-A5531E510DB2}">
       <thm15:themeFamily xmlns:thm15="http://schemas.microsoft.com/office/thememl/2012/main" name="Office Theme" id="{62F939B6-93AF-4DB8-9C6B-D6C7DFDC589F}" vid="{4A3C46E8-61CC-4603-A589-7422A47A8E4A}"/>
@@ -9728,8 +9925,6 @@
       </a:bgFillStyleLst>
     </a:fmtScheme>
   </a:themeElements>
-  <a:objectDefaults/>
-  <a:extraClrSchemeLst/>
   <a:extLst>
     <a:ext uri="{05A4C25C-085E-4340-85A3-A5531E510DB2}">
       <thm15:themeFamily xmlns:thm15="http://schemas.microsoft.com/office/thememl/2012/main" name="Office Theme" id="{62F939B6-93AF-4DB8-9C6B-D6C7DFDC589F}" vid="{4A3C46E8-61CC-4603-A589-7422A47A8E4A}"/>
